--- a/PDF parser.pptx
+++ b/PDF parser.pptx
@@ -5,7 +5,7 @@
     <p:sldMasterId id="2147483768" r:id="rId1"/>
   </p:sldMasterIdLst>
   <p:notesMasterIdLst>
-    <p:notesMasterId r:id="rId16"/>
+    <p:notesMasterId r:id="rId18"/>
   </p:notesMasterIdLst>
   <p:sldIdLst>
     <p:sldId id="256" r:id="rId2"/>
@@ -14,14 +14,16 @@
     <p:sldId id="260" r:id="rId5"/>
     <p:sldId id="259" r:id="rId6"/>
     <p:sldId id="261" r:id="rId7"/>
-    <p:sldId id="262" r:id="rId8"/>
-    <p:sldId id="263" r:id="rId9"/>
-    <p:sldId id="271" r:id="rId10"/>
-    <p:sldId id="272" r:id="rId11"/>
+    <p:sldId id="276" r:id="rId8"/>
+    <p:sldId id="262" r:id="rId9"/>
+    <p:sldId id="263" r:id="rId10"/>
+    <p:sldId id="271" r:id="rId11"/>
     <p:sldId id="274" r:id="rId12"/>
-    <p:sldId id="267" r:id="rId13"/>
-    <p:sldId id="268" r:id="rId14"/>
-    <p:sldId id="269" r:id="rId15"/>
+    <p:sldId id="277" r:id="rId13"/>
+    <p:sldId id="267" r:id="rId14"/>
+    <p:sldId id="268" r:id="rId15"/>
+    <p:sldId id="269" r:id="rId16"/>
+    <p:sldId id="275" r:id="rId17"/>
   </p:sldIdLst>
   <p:sldSz cx="9144000" cy="6858000" type="screen4x3"/>
   <p:notesSz cx="6858000" cy="9144000"/>
@@ -205,7 +207,7 @@
           <a:p>
             <a:fld id="{1B6C9DB2-F20F-49FB-B1B6-10330A543433}" type="datetimeFigureOut">
               <a:rPr lang="ro-RO" smtClean="0"/>
-              <a:t>26.06.2019</a:t>
+              <a:t>05.07.2019</a:t>
             </a:fld>
             <a:endParaRPr lang="ro-RO"/>
           </a:p>
@@ -603,11 +605,11 @@
           <a:p>
             <a:r>
               <a:rPr lang="ro-RO" dirty="0" smtClean="0"/>
-              <a:t>In pasul 2 se verifică</a:t>
+              <a:t>Dim scris</a:t>
             </a:r>
             <a:r>
               <a:rPr lang="ro-RO" baseline="0" dirty="0" smtClean="0"/>
-              <a:t> dacă linia curenta se potriveste cu una din expresiile regulate</a:t>
+              <a:t> mai mic</a:t>
             </a:r>
             <a:endParaRPr lang="ro-RO" dirty="0"/>
           </a:p>
@@ -630,7 +632,7 @@
           <a:p>
             <a:fld id="{A783EAD1-FA89-429D-8D8C-EFCE89421A9E}" type="slidenum">
               <a:rPr lang="ro-RO" smtClean="0"/>
-              <a:t>9</a:t>
+              <a:t>5</a:t>
             </a:fld>
             <a:endParaRPr lang="ro-RO"/>
           </a:p>
@@ -639,7 +641,7 @@
     </p:spTree>
     <p:extLst>
       <p:ext uri="{BB962C8B-B14F-4D97-AF65-F5344CB8AC3E}">
-        <p14:creationId xmlns:p14="http://schemas.microsoft.com/office/powerpoint/2010/main" val="3591235112"/>
+        <p14:creationId xmlns:p14="http://schemas.microsoft.com/office/powerpoint/2010/main" val="1872145281"/>
       </p:ext>
     </p:extLst>
   </p:cSld>
@@ -695,7 +697,11 @@
           <a:p>
             <a:r>
               <a:rPr lang="ro-RO" dirty="0" smtClean="0"/>
-              <a:t>In pasul 2.1 se creeaza un obiect ce contine informatii de spre liia ce a facut match, uumarul paginii in care se regaseste, frecventa si regexul cu care a facut match</a:t>
+              <a:t>In pasul 2 se verifică</a:t>
+            </a:r>
+            <a:r>
+              <a:rPr lang="ro-RO" baseline="0" dirty="0" smtClean="0"/>
+              <a:t> dacă linia curenta se potriveste cu una din expresiile regulate</a:t>
             </a:r>
             <a:endParaRPr lang="ro-RO" dirty="0"/>
           </a:p>
@@ -1450,7 +1456,7 @@
           <a:p>
             <a:fld id="{CCAB49E3-7D07-4E05-BD70-AA9A95422792}" type="datetime1">
               <a:rPr lang="ro-RO" smtClean="0"/>
-              <a:t>26.06.2019</a:t>
+              <a:t>05.07.2019</a:t>
             </a:fld>
             <a:endParaRPr lang="ro-RO"/>
           </a:p>
@@ -1646,7 +1652,7 @@
           <a:p>
             <a:fld id="{D3897100-057E-4268-BC40-A14911EFAEAA}" type="datetime1">
               <a:rPr lang="ro-RO" smtClean="0"/>
-              <a:t>26.06.2019</a:t>
+              <a:t>05.07.2019</a:t>
             </a:fld>
             <a:endParaRPr lang="ro-RO"/>
           </a:p>
@@ -1831,7 +1837,7 @@
           <a:p>
             <a:fld id="{0690B691-AAF7-49FE-894E-59FE58807247}" type="datetime1">
               <a:rPr lang="ro-RO" smtClean="0"/>
-              <a:t>26.06.2019</a:t>
+              <a:t>05.07.2019</a:t>
             </a:fld>
             <a:endParaRPr lang="ro-RO"/>
           </a:p>
@@ -1981,7 +1987,7 @@
           <a:p>
             <a:fld id="{0C645F80-6CB8-4804-BDFC-96F13E653FF6}" type="datetime1">
               <a:rPr lang="ro-RO" smtClean="0"/>
-              <a:t>26.06.2019</a:t>
+              <a:t>05.07.2019</a:t>
             </a:fld>
             <a:endParaRPr lang="ro-RO"/>
           </a:p>
@@ -2236,7 +2242,7 @@
           <a:p>
             <a:fld id="{D3575F49-DC71-47DE-BCA6-382534BB2B2B}" type="datetime1">
               <a:rPr lang="ro-RO" smtClean="0"/>
-              <a:t>26.06.2019</a:t>
+              <a:t>05.07.2019</a:t>
             </a:fld>
             <a:endParaRPr lang="ro-RO"/>
           </a:p>
@@ -2645,7 +2651,7 @@
           <a:p>
             <a:fld id="{FDD5E8E7-7CC8-4DCE-AB2C-8807C0FB64FE}" type="datetime1">
               <a:rPr lang="ro-RO" smtClean="0"/>
-              <a:t>26.06.2019</a:t>
+              <a:t>05.07.2019</a:t>
             </a:fld>
             <a:endParaRPr lang="ro-RO"/>
           </a:p>
@@ -3091,7 +3097,7 @@
           <a:p>
             <a:fld id="{C956A99A-DCE9-4B18-A129-7F12AC2F6770}" type="datetime1">
               <a:rPr lang="ro-RO" smtClean="0"/>
-              <a:t>26.06.2019</a:t>
+              <a:t>05.07.2019</a:t>
             </a:fld>
             <a:endParaRPr lang="ro-RO"/>
           </a:p>
@@ -3192,7 +3198,7 @@
           <a:p>
             <a:fld id="{81BA6B1D-5786-4B5C-85C6-7D9428E84FB4}" type="datetime1">
               <a:rPr lang="ro-RO" smtClean="0"/>
-              <a:t>26.06.2019</a:t>
+              <a:t>05.07.2019</a:t>
             </a:fld>
             <a:endParaRPr lang="ro-RO"/>
           </a:p>
@@ -3313,7 +3319,7 @@
           <a:p>
             <a:fld id="{83CB6460-E2CC-4BFC-A7BD-D9489BBC5879}" type="datetime1">
               <a:rPr lang="ro-RO" smtClean="0"/>
-              <a:t>26.06.2019</a:t>
+              <a:t>05.07.2019</a:t>
             </a:fld>
             <a:endParaRPr lang="ro-RO"/>
           </a:p>
@@ -3587,7 +3593,7 @@
           <a:p>
             <a:fld id="{4879EBA6-EAD6-434F-B885-B101E4138C75}" type="datetime1">
               <a:rPr lang="ro-RO" smtClean="0"/>
-              <a:t>26.06.2019</a:t>
+              <a:t>05.07.2019</a:t>
             </a:fld>
             <a:endParaRPr lang="ro-RO"/>
           </a:p>
@@ -3792,7 +3798,7 @@
           <a:p>
             <a:fld id="{153F3127-3E87-4CB7-A958-3711565898A0}" type="datetime1">
               <a:rPr lang="ro-RO" smtClean="0"/>
-              <a:t>26.06.2019</a:t>
+              <a:t>05.07.2019</a:t>
             </a:fld>
             <a:endParaRPr lang="ro-RO"/>
           </a:p>
@@ -4901,7 +4907,7 @@
           <a:p>
             <a:fld id="{ADE7204A-03FF-4913-925D-3089A9867233}" type="datetime1">
               <a:rPr lang="ro-RO" smtClean="0"/>
-              <a:t>26.06.2019</a:t>
+              <a:t>05.07.2019</a:t>
             </a:fld>
             <a:endParaRPr lang="ro-RO"/>
           </a:p>
@@ -5507,21 +5513,17 @@
             <p:ph idx="1"/>
           </p:nvPr>
         </p:nvSpPr>
-        <p:spPr>
-          <a:xfrm>
-            <a:off x="457200" y="1219200"/>
-            <a:ext cx="8229600" cy="5181600"/>
-          </a:xfrm>
-        </p:spPr>
-        <p:txBody>
-          <a:bodyPr>
-            <a:normAutofit/>
-          </a:bodyPr>
+        <p:spPr/>
+        <p:txBody>
+          <a:bodyPr/>
           <a:lstStyle/>
           <a:p>
             <a:r>
-              <a:rPr lang="ro-RO" dirty="0" smtClean="0"/>
-              <a:t>Pasul 2.1</a:t>
+              <a:rPr lang="ro-RO" dirty="0" smtClean="0">
+                <a:latin typeface="Times New Roman" pitchFamily="18" charset="0"/>
+                <a:cs typeface="Times New Roman" pitchFamily="18" charset="0"/>
+              </a:rPr>
+              <a:t>Pasul 1</a:t>
             </a:r>
           </a:p>
           <a:p>
@@ -5529,67 +5531,45 @@
               <a:buNone/>
             </a:pPr>
             <a:r>
-              <a:rPr lang="ro-RO" dirty="0" smtClean="0"/>
-              <a:t>Dacă linia se potrivește cu o expresie regulată se crează un obiect nou</a:t>
+              <a:rPr lang="ro-RO" dirty="0" smtClean="0">
+                <a:latin typeface="Times New Roman" pitchFamily="18" charset="0"/>
+                <a:cs typeface="Times New Roman" pitchFamily="18" charset="0"/>
+              </a:rPr>
+              <a:t>Construcția unui  Map de liste – cheia reprezită numărul paginii iar valoarea este o listă ce cuprinde liniile existete in pagina respectivă</a:t>
+            </a:r>
+          </a:p>
+          <a:p>
+            <a:endParaRPr lang="ro-RO" dirty="0">
+              <a:latin typeface="Times New Roman" pitchFamily="18" charset="0"/>
+              <a:cs typeface="Times New Roman" pitchFamily="18" charset="0"/>
+            </a:endParaRPr>
+          </a:p>
+          <a:p>
+            <a:endParaRPr lang="ro-RO" dirty="0">
+              <a:latin typeface="Times New Roman" pitchFamily="18" charset="0"/>
+              <a:cs typeface="Times New Roman" pitchFamily="18" charset="0"/>
+            </a:endParaRPr>
+          </a:p>
+          <a:p>
+            <a:r>
+              <a:rPr lang="ro-RO" dirty="0" smtClean="0">
+                <a:latin typeface="Times New Roman" pitchFamily="18" charset="0"/>
+                <a:cs typeface="Times New Roman" pitchFamily="18" charset="0"/>
+              </a:rPr>
+              <a:t>Pasul 2</a:t>
             </a:r>
           </a:p>
           <a:p>
             <a:pPr marL="109728" indent="0">
               <a:buNone/>
             </a:pPr>
-            <a:endParaRPr lang="ro-RO" dirty="0" smtClean="0"/>
-          </a:p>
-          <a:p>
-            <a:pPr marL="109728" indent="0">
-              <a:buNone/>
-            </a:pPr>
-            <a:r>
-              <a:rPr lang="ro-RO" dirty="0" smtClean="0"/>
-              <a:t>Obiecul se adaugă într-un Map – cheia este linia curentă, iar valoarea este obiectul creat anterior</a:t>
-            </a:r>
-          </a:p>
-          <a:p>
-            <a:pPr marL="109728" indent="0">
-              <a:buNone/>
-            </a:pPr>
-            <a:endParaRPr lang="ro-RO" dirty="0" smtClean="0"/>
-          </a:p>
-          <a:p>
-            <a:r>
-              <a:rPr lang="ro-RO" dirty="0" smtClean="0"/>
-              <a:t>Pasul 2.2</a:t>
-            </a:r>
-          </a:p>
-          <a:p>
-            <a:pPr marL="109728" indent="0">
-              <a:buNone/>
-            </a:pPr>
-            <a:r>
-              <a:rPr lang="ro-RO" dirty="0"/>
-              <a:t>Dacă linia </a:t>
-            </a:r>
-            <a:r>
-              <a:rPr lang="ro-RO" dirty="0" smtClean="0"/>
-              <a:t>nu se </a:t>
-            </a:r>
-            <a:r>
-              <a:rPr lang="ro-RO" dirty="0"/>
-              <a:t>potrivește cu o expresie regulată </a:t>
-            </a:r>
-            <a:r>
-              <a:rPr lang="ro-RO" dirty="0" smtClean="0"/>
-              <a:t>nu se </a:t>
-            </a:r>
-            <a:r>
-              <a:rPr lang="ro-RO" dirty="0"/>
-              <a:t>crează un obiect nou</a:t>
-            </a:r>
-          </a:p>
-          <a:p>
-            <a:pPr marL="109728" indent="0">
-              <a:buNone/>
-            </a:pPr>
-            <a:endParaRPr lang="ro-RO" dirty="0"/>
+            <a:r>
+              <a:rPr lang="ro-RO" dirty="0" smtClean="0">
+                <a:latin typeface="Times New Roman" pitchFamily="18" charset="0"/>
+                <a:cs typeface="Times New Roman" pitchFamily="18" charset="0"/>
+              </a:rPr>
+              <a:t>Procesarea paginii și verificarea liniei curente</a:t>
+            </a:r>
           </a:p>
           <a:p>
             <a:pPr marL="109728" indent="0">
@@ -5656,7 +5636,7 @@
     </p:spTree>
     <p:extLst>
       <p:ext uri="{BB962C8B-B14F-4D97-AF65-F5344CB8AC3E}">
-        <p14:creationId xmlns:p14="http://schemas.microsoft.com/office/powerpoint/2010/main" val="2377561666"/>
+        <p14:creationId xmlns:p14="http://schemas.microsoft.com/office/powerpoint/2010/main" val="3456413899"/>
       </p:ext>
     </p:extLst>
   </p:cSld>
@@ -5713,7 +5693,10 @@
           <a:lstStyle/>
           <a:p>
             <a:r>
-              <a:rPr lang="ro-RO" dirty="0" smtClean="0"/>
+              <a:rPr lang="ro-RO" dirty="0" smtClean="0">
+                <a:latin typeface="Times New Roman" pitchFamily="18" charset="0"/>
+                <a:cs typeface="Times New Roman" pitchFamily="18" charset="0"/>
+              </a:rPr>
               <a:t>Pasul 3</a:t>
             </a:r>
           </a:p>
@@ -5721,14 +5704,20 @@
             <a:pPr marL="109728" indent="0">
               <a:buNone/>
             </a:pPr>
-            <a:endParaRPr lang="ro-RO" dirty="0" smtClean="0"/>
+            <a:endParaRPr lang="ro-RO" dirty="0" smtClean="0">
+              <a:latin typeface="Times New Roman" pitchFamily="18" charset="0"/>
+              <a:cs typeface="Times New Roman" pitchFamily="18" charset="0"/>
+            </a:endParaRPr>
           </a:p>
           <a:p>
             <a:pPr marL="109728" indent="0">
               <a:buNone/>
             </a:pPr>
             <a:r>
-              <a:rPr lang="ro-RO" dirty="0"/>
+              <a:rPr lang="ro-RO" dirty="0">
+                <a:latin typeface="Times New Roman" pitchFamily="18" charset="0"/>
+                <a:cs typeface="Times New Roman" pitchFamily="18" charset="0"/>
+              </a:rPr>
               <a:t>Se iterează prin lista de obiecte și se elimină din paginile corespunzătoare (Map-ul inițial)</a:t>
             </a:r>
           </a:p>
@@ -5736,11 +5725,17 @@
             <a:pPr marL="109728" indent="0">
               <a:buNone/>
             </a:pPr>
-            <a:endParaRPr lang="ro-RO" dirty="0" smtClean="0"/>
-          </a:p>
-          <a:p>
-            <a:r>
-              <a:rPr lang="ro-RO" dirty="0" smtClean="0"/>
+            <a:endParaRPr lang="ro-RO" dirty="0" smtClean="0">
+              <a:latin typeface="Times New Roman" pitchFamily="18" charset="0"/>
+              <a:cs typeface="Times New Roman" pitchFamily="18" charset="0"/>
+            </a:endParaRPr>
+          </a:p>
+          <a:p>
+            <a:r>
+              <a:rPr lang="ro-RO" dirty="0" smtClean="0">
+                <a:latin typeface="Times New Roman" pitchFamily="18" charset="0"/>
+                <a:cs typeface="Times New Roman" pitchFamily="18" charset="0"/>
+              </a:rPr>
               <a:t>Pasul 4</a:t>
             </a:r>
           </a:p>
@@ -5748,23 +5743,35 @@
             <a:pPr marL="109728" indent="0">
               <a:buNone/>
             </a:pPr>
-            <a:endParaRPr lang="ro-RO" dirty="0" smtClean="0"/>
+            <a:endParaRPr lang="ro-RO" dirty="0" smtClean="0">
+              <a:latin typeface="Times New Roman" pitchFamily="18" charset="0"/>
+              <a:cs typeface="Times New Roman" pitchFamily="18" charset="0"/>
+            </a:endParaRPr>
           </a:p>
           <a:p>
             <a:pPr marL="109728" indent="0">
               <a:buNone/>
             </a:pPr>
             <a:r>
-              <a:rPr lang="ro-RO" dirty="0" smtClean="0"/>
+              <a:rPr lang="ro-RO" dirty="0" smtClean="0">
+                <a:latin typeface="Times New Roman" pitchFamily="18" charset="0"/>
+                <a:cs typeface="Times New Roman" pitchFamily="18" charset="0"/>
+              </a:rPr>
               <a:t>Se iterează din nou prin toate paginile filtrate și se scriu în fișier</a:t>
             </a:r>
-            <a:endParaRPr lang="ro-RO" dirty="0"/>
+            <a:endParaRPr lang="ro-RO" dirty="0">
+              <a:latin typeface="Times New Roman" pitchFamily="18" charset="0"/>
+              <a:cs typeface="Times New Roman" pitchFamily="18" charset="0"/>
+            </a:endParaRPr>
           </a:p>
           <a:p>
             <a:pPr marL="109728" indent="0">
               <a:buNone/>
             </a:pPr>
-            <a:endParaRPr lang="ro-RO" dirty="0"/>
+            <a:endParaRPr lang="ro-RO" dirty="0">
+              <a:latin typeface="Times New Roman" pitchFamily="18" charset="0"/>
+              <a:cs typeface="Times New Roman" pitchFamily="18" charset="0"/>
+            </a:endParaRPr>
           </a:p>
         </p:txBody>
       </p:sp>
@@ -5874,42 +5881,7 @@
           <a:bodyPr/>
           <a:lstStyle/>
           <a:p>
-            <a:r>
-              <a:rPr lang="en-US" dirty="0" smtClean="0"/>
-              <a:t>Ad</a:t>
-            </a:r>
-            <a:r>
-              <a:rPr lang="ro-RO" dirty="0" smtClean="0"/>
-              <a:t>ăugarea unei interfețe grafice</a:t>
-            </a:r>
-          </a:p>
-          <a:p>
-            <a:endParaRPr lang="ro-RO" dirty="0"/>
-          </a:p>
-          <a:p>
-            <a:r>
-              <a:rPr lang="ro-RO" dirty="0" smtClean="0"/>
-              <a:t>Implicarea algoritmilor de Machine Learning în procesul de identificare</a:t>
-            </a:r>
-          </a:p>
-          <a:p>
-            <a:endParaRPr lang="ro-RO" dirty="0"/>
-          </a:p>
-          <a:p>
-            <a:r>
-              <a:rPr lang="ro-RO" dirty="0" smtClean="0"/>
-              <a:t>Etichetarea cu tag-uri de tip Html</a:t>
-            </a:r>
-          </a:p>
-          <a:p>
-            <a:endParaRPr lang="ro-RO" dirty="0"/>
-          </a:p>
-          <a:p>
-            <a:r>
-              <a:rPr lang="ro-RO" dirty="0" smtClean="0"/>
-              <a:t>Eliminarea heraderelor și footerelor din reviste, articole și ordonarea coloanelor </a:t>
-            </a:r>
-            <a:endParaRPr lang="ro-RO" dirty="0"/>
+            <a:endParaRPr lang="ro-RO"/>
           </a:p>
         </p:txBody>
       </p:sp>
@@ -5954,11 +5926,18 @@
           <a:lstStyle/>
           <a:p>
             <a:r>
-              <a:rPr lang="ro-RO" sz="3600" dirty="0" smtClean="0">
-                <a:latin typeface="Times New Roman" pitchFamily="18" charset="0"/>
-                <a:cs typeface="Times New Roman" pitchFamily="18" charset="0"/>
-              </a:rPr>
-              <a:t>Direcții viitoare</a:t>
+              <a:rPr lang="en-US" sz="3600" dirty="0" err="1" smtClean="0">
+                <a:latin typeface="Times New Roman" pitchFamily="18" charset="0"/>
+                <a:cs typeface="Times New Roman" pitchFamily="18" charset="0"/>
+              </a:rPr>
+              <a:t>Exemplu</a:t>
+            </a:r>
+            <a:r>
+              <a:rPr lang="en-US" sz="3600" dirty="0" smtClean="0">
+                <a:latin typeface="Times New Roman" pitchFamily="18" charset="0"/>
+                <a:cs typeface="Times New Roman" pitchFamily="18" charset="0"/>
+              </a:rPr>
+              <a:t> output</a:t>
             </a:r>
             <a:endParaRPr lang="ro-RO" sz="3600" dirty="0">
               <a:latin typeface="Times New Roman" pitchFamily="18" charset="0"/>
@@ -5967,10 +5946,51 @@
           </a:p>
         </p:txBody>
       </p:sp>
+      <p:pic>
+        <p:nvPicPr>
+          <p:cNvPr id="2050" name="Picture 2" descr="C:\Users\silvia-ana-maria\Desktop\Licenta\test.png"/>
+          <p:cNvPicPr>
+            <a:picLocks noChangeAspect="1" noChangeArrowheads="1"/>
+          </p:cNvPicPr>
+          <p:nvPr/>
+        </p:nvPicPr>
+        <p:blipFill>
+          <a:blip r:embed="rId2">
+            <a:extLst>
+              <a:ext uri="{28A0092B-C50C-407E-A947-70E740481C1C}">
+                <a14:useLocalDpi xmlns:a14="http://schemas.microsoft.com/office/drawing/2010/main" val="0"/>
+              </a:ext>
+            </a:extLst>
+          </a:blip>
+          <a:srcRect/>
+          <a:stretch>
+            <a:fillRect/>
+          </a:stretch>
+        </p:blipFill>
+        <p:spPr bwMode="auto">
+          <a:xfrm>
+            <a:off x="443345" y="1676400"/>
+            <a:ext cx="8229600" cy="4029075"/>
+          </a:xfrm>
+          <a:prstGeom prst="rect">
+            <a:avLst/>
+          </a:prstGeom>
+          <a:noFill/>
+          <a:extLst>
+            <a:ext uri="{909E8E84-426E-40DD-AFC4-6F175D3DCCD1}">
+              <a14:hiddenFill xmlns:a14="http://schemas.microsoft.com/office/drawing/2010/main">
+                <a:solidFill>
+                  <a:srgbClr val="FFFFFF"/>
+                </a:solidFill>
+              </a14:hiddenFill>
+            </a:ext>
+          </a:extLst>
+        </p:spPr>
+      </p:pic>
     </p:spTree>
     <p:extLst>
       <p:ext uri="{BB962C8B-B14F-4D97-AF65-F5344CB8AC3E}">
-        <p14:creationId xmlns:p14="http://schemas.microsoft.com/office/powerpoint/2010/main" val="1274654518"/>
+        <p14:creationId xmlns:p14="http://schemas.microsoft.com/office/powerpoint/2010/main" val="1721178525"/>
       </p:ext>
     </p:extLst>
   </p:cSld>
@@ -6020,19 +6040,68 @@
           <a:lstStyle/>
           <a:p>
             <a:r>
-              <a:rPr lang="ro-RO" dirty="0" smtClean="0"/>
-              <a:t>Soluție simplă și eficientă</a:t>
-            </a:r>
-          </a:p>
-          <a:p>
-            <a:endParaRPr lang="ro-RO" dirty="0"/>
-          </a:p>
-          <a:p>
-            <a:r>
-              <a:rPr lang="ro-RO" dirty="0" smtClean="0"/>
-              <a:t>Poate fi extisă cu ușurință prin adaugarea de noi funcționalități</a:t>
-            </a:r>
-            <a:endParaRPr lang="ro-RO" dirty="0"/>
+              <a:rPr lang="en-US" dirty="0" smtClean="0">
+                <a:latin typeface="Times New Roman" pitchFamily="18" charset="0"/>
+                <a:cs typeface="Times New Roman" pitchFamily="18" charset="0"/>
+              </a:rPr>
+              <a:t>Ad</a:t>
+            </a:r>
+            <a:r>
+              <a:rPr lang="ro-RO" dirty="0" smtClean="0">
+                <a:latin typeface="Times New Roman" pitchFamily="18" charset="0"/>
+                <a:cs typeface="Times New Roman" pitchFamily="18" charset="0"/>
+              </a:rPr>
+              <a:t>ăugarea unei interfețe grafice</a:t>
+            </a:r>
+          </a:p>
+          <a:p>
+            <a:endParaRPr lang="ro-RO" dirty="0">
+              <a:latin typeface="Times New Roman" pitchFamily="18" charset="0"/>
+              <a:cs typeface="Times New Roman" pitchFamily="18" charset="0"/>
+            </a:endParaRPr>
+          </a:p>
+          <a:p>
+            <a:r>
+              <a:rPr lang="ro-RO" dirty="0" smtClean="0">
+                <a:latin typeface="Times New Roman" pitchFamily="18" charset="0"/>
+                <a:cs typeface="Times New Roman" pitchFamily="18" charset="0"/>
+              </a:rPr>
+              <a:t>Implicarea algoritmilor de Machine Learning în procesul de identificare</a:t>
+            </a:r>
+          </a:p>
+          <a:p>
+            <a:endParaRPr lang="ro-RO" dirty="0">
+              <a:latin typeface="Times New Roman" pitchFamily="18" charset="0"/>
+              <a:cs typeface="Times New Roman" pitchFamily="18" charset="0"/>
+            </a:endParaRPr>
+          </a:p>
+          <a:p>
+            <a:r>
+              <a:rPr lang="ro-RO" dirty="0" smtClean="0">
+                <a:latin typeface="Times New Roman" pitchFamily="18" charset="0"/>
+                <a:cs typeface="Times New Roman" pitchFamily="18" charset="0"/>
+              </a:rPr>
+              <a:t>Etichetarea cu tag-uri de tip Html</a:t>
+            </a:r>
+          </a:p>
+          <a:p>
+            <a:endParaRPr lang="ro-RO" dirty="0">
+              <a:latin typeface="Times New Roman" pitchFamily="18" charset="0"/>
+              <a:cs typeface="Times New Roman" pitchFamily="18" charset="0"/>
+            </a:endParaRPr>
+          </a:p>
+          <a:p>
+            <a:r>
+              <a:rPr lang="ro-RO" dirty="0" smtClean="0">
+                <a:latin typeface="Times New Roman" pitchFamily="18" charset="0"/>
+                <a:cs typeface="Times New Roman" pitchFamily="18" charset="0"/>
+              </a:rPr>
+              <a:t>Eliminarea heraderelor și footerelor din reviste, articole și ordonarea coloanelor </a:t>
+            </a:r>
+            <a:endParaRPr lang="ro-RO" dirty="0">
+              <a:latin typeface="Times New Roman" pitchFamily="18" charset="0"/>
+              <a:cs typeface="Times New Roman" pitchFamily="18" charset="0"/>
+            </a:endParaRPr>
           </a:p>
         </p:txBody>
       </p:sp>
@@ -6081,7 +6150,7 @@
                 <a:latin typeface="Times New Roman" pitchFamily="18" charset="0"/>
                 <a:cs typeface="Times New Roman" pitchFamily="18" charset="0"/>
               </a:rPr>
-              <a:t>Concluzii</a:t>
+              <a:t>Direcții viitoare</a:t>
             </a:r>
             <a:endParaRPr lang="ro-RO" sz="3600" dirty="0">
               <a:latin typeface="Times New Roman" pitchFamily="18" charset="0"/>
@@ -6093,7 +6162,7 @@
     </p:spTree>
     <p:extLst>
       <p:ext uri="{BB962C8B-B14F-4D97-AF65-F5344CB8AC3E}">
-        <p14:creationId xmlns:p14="http://schemas.microsoft.com/office/powerpoint/2010/main" val="3654279339"/>
+        <p14:creationId xmlns:p14="http://schemas.microsoft.com/office/powerpoint/2010/main" val="1274654518"/>
       </p:ext>
     </p:extLst>
   </p:cSld>
@@ -6129,52 +6198,45 @@
       </p:grpSpPr>
       <p:sp>
         <p:nvSpPr>
-          <p:cNvPr id="5" name="Title 4"/>
-          <p:cNvSpPr>
-            <a:spLocks noGrp="1"/>
-          </p:cNvSpPr>
-          <p:nvPr>
-            <p:ph type="ctrTitle"/>
-          </p:nvPr>
-        </p:nvSpPr>
-        <p:spPr/>
-        <p:txBody>
-          <a:bodyPr>
-            <a:normAutofit/>
-          </a:bodyPr>
+          <p:cNvPr id="2" name="Content Placeholder 1"/>
+          <p:cNvSpPr>
+            <a:spLocks noGrp="1"/>
+          </p:cNvSpPr>
+          <p:nvPr>
+            <p:ph idx="1"/>
+          </p:nvPr>
+        </p:nvSpPr>
+        <p:spPr/>
+        <p:txBody>
+          <a:bodyPr/>
           <a:lstStyle/>
           <a:p>
-            <a:pPr algn="ctr"/>
-            <a:r>
-              <a:rPr lang="ro-RO" sz="5400" dirty="0" smtClean="0">
-                <a:latin typeface="Times New Roman" pitchFamily="18" charset="0"/>
-                <a:cs typeface="Times New Roman" pitchFamily="18" charset="0"/>
-              </a:rPr>
-              <a:t>Întrebări</a:t>
-            </a:r>
-            <a:endParaRPr lang="ro-RO" sz="5400" dirty="0">
+            <a:r>
+              <a:rPr lang="ro-RO" dirty="0" smtClean="0">
+                <a:latin typeface="Times New Roman" pitchFamily="18" charset="0"/>
+                <a:cs typeface="Times New Roman" pitchFamily="18" charset="0"/>
+              </a:rPr>
+              <a:t>Soluție simplă și eficientă</a:t>
+            </a:r>
+          </a:p>
+          <a:p>
+            <a:endParaRPr lang="ro-RO" dirty="0">
               <a:latin typeface="Times New Roman" pitchFamily="18" charset="0"/>
               <a:cs typeface="Times New Roman" pitchFamily="18" charset="0"/>
             </a:endParaRPr>
           </a:p>
-        </p:txBody>
-      </p:sp>
-      <p:sp>
-        <p:nvSpPr>
-          <p:cNvPr id="6" name="Subtitle 5"/>
-          <p:cNvSpPr>
-            <a:spLocks noGrp="1"/>
-          </p:cNvSpPr>
-          <p:nvPr>
-            <p:ph type="subTitle" idx="1"/>
-          </p:nvPr>
-        </p:nvSpPr>
-        <p:spPr/>
-        <p:txBody>
-          <a:bodyPr/>
-          <a:lstStyle/>
-          <a:p>
-            <a:endParaRPr lang="ro-RO"/>
+          <a:p>
+            <a:r>
+              <a:rPr lang="ro-RO" dirty="0" smtClean="0">
+                <a:latin typeface="Times New Roman" pitchFamily="18" charset="0"/>
+                <a:cs typeface="Times New Roman" pitchFamily="18" charset="0"/>
+              </a:rPr>
+              <a:t>Poate fi extisă cu ușurință prin adaugarea de noi funcționalități</a:t>
+            </a:r>
+            <a:endParaRPr lang="ro-RO" dirty="0">
+              <a:latin typeface="Times New Roman" pitchFamily="18" charset="0"/>
+              <a:cs typeface="Times New Roman" pitchFamily="18" charset="0"/>
+            </a:endParaRPr>
           </a:p>
         </p:txBody>
       </p:sp>
@@ -6201,10 +6263,263 @@
           </a:p>
         </p:txBody>
       </p:sp>
+      <p:sp>
+        <p:nvSpPr>
+          <p:cNvPr id="4" name="Title 3"/>
+          <p:cNvSpPr>
+            <a:spLocks noGrp="1"/>
+          </p:cNvSpPr>
+          <p:nvPr>
+            <p:ph type="title"/>
+          </p:nvPr>
+        </p:nvSpPr>
+        <p:spPr/>
+        <p:txBody>
+          <a:bodyPr>
+            <a:normAutofit/>
+          </a:bodyPr>
+          <a:lstStyle/>
+          <a:p>
+            <a:r>
+              <a:rPr lang="ro-RO" sz="3600" dirty="0" smtClean="0">
+                <a:latin typeface="Times New Roman" pitchFamily="18" charset="0"/>
+                <a:cs typeface="Times New Roman" pitchFamily="18" charset="0"/>
+              </a:rPr>
+              <a:t>Concluzii</a:t>
+            </a:r>
+            <a:endParaRPr lang="ro-RO" sz="3600" dirty="0">
+              <a:latin typeface="Times New Roman" pitchFamily="18" charset="0"/>
+              <a:cs typeface="Times New Roman" pitchFamily="18" charset="0"/>
+            </a:endParaRPr>
+          </a:p>
+        </p:txBody>
+      </p:sp>
+    </p:spTree>
+    <p:extLst>
+      <p:ext uri="{BB962C8B-B14F-4D97-AF65-F5344CB8AC3E}">
+        <p14:creationId xmlns:p14="http://schemas.microsoft.com/office/powerpoint/2010/main" val="3654279339"/>
+      </p:ext>
+    </p:extLst>
+  </p:cSld>
+  <p:clrMapOvr>
+    <a:masterClrMapping/>
+  </p:clrMapOvr>
+  <p:timing>
+    <p:tnLst>
+      <p:par>
+        <p:cTn id="1" dur="indefinite" restart="never" nodeType="tmRoot"/>
+      </p:par>
+    </p:tnLst>
+  </p:timing>
+</p:sld>
+</file>
+
+<file path=ppt/slides/slide15.xml><?xml version="1.0" encoding="utf-8"?>
+<p:sld xmlns:a="http://schemas.openxmlformats.org/drawingml/2006/main" xmlns:r="http://schemas.openxmlformats.org/officeDocument/2006/relationships" xmlns:p="http://schemas.openxmlformats.org/presentationml/2006/main">
+  <p:cSld>
+    <p:spTree>
+      <p:nvGrpSpPr>
+        <p:cNvPr id="1" name=""/>
+        <p:cNvGrpSpPr/>
+        <p:nvPr/>
+      </p:nvGrpSpPr>
+      <p:grpSpPr>
+        <a:xfrm>
+          <a:off x="0" y="0"/>
+          <a:ext cx="0" cy="0"/>
+          <a:chOff x="0" y="0"/>
+          <a:chExt cx="0" cy="0"/>
+        </a:xfrm>
+      </p:grpSpPr>
+      <p:sp>
+        <p:nvSpPr>
+          <p:cNvPr id="5" name="Title 4"/>
+          <p:cNvSpPr>
+            <a:spLocks noGrp="1"/>
+          </p:cNvSpPr>
+          <p:nvPr>
+            <p:ph type="ctrTitle"/>
+          </p:nvPr>
+        </p:nvSpPr>
+        <p:spPr/>
+        <p:txBody>
+          <a:bodyPr>
+            <a:normAutofit/>
+          </a:bodyPr>
+          <a:lstStyle/>
+          <a:p>
+            <a:pPr algn="ctr"/>
+            <a:r>
+              <a:rPr lang="en-US" sz="5400" dirty="0" smtClean="0">
+                <a:latin typeface="Times New Roman" pitchFamily="18" charset="0"/>
+                <a:cs typeface="Times New Roman" pitchFamily="18" charset="0"/>
+              </a:rPr>
+              <a:t>Demo</a:t>
+            </a:r>
+            <a:endParaRPr lang="ro-RO" sz="5400" dirty="0">
+              <a:latin typeface="Times New Roman" pitchFamily="18" charset="0"/>
+              <a:cs typeface="Times New Roman" pitchFamily="18" charset="0"/>
+            </a:endParaRPr>
+          </a:p>
+        </p:txBody>
+      </p:sp>
+      <p:sp>
+        <p:nvSpPr>
+          <p:cNvPr id="6" name="Subtitle 5"/>
+          <p:cNvSpPr>
+            <a:spLocks noGrp="1"/>
+          </p:cNvSpPr>
+          <p:nvPr>
+            <p:ph type="subTitle" idx="1"/>
+          </p:nvPr>
+        </p:nvSpPr>
+        <p:spPr/>
+        <p:txBody>
+          <a:bodyPr/>
+          <a:lstStyle/>
+          <a:p>
+            <a:endParaRPr lang="ro-RO" dirty="0"/>
+          </a:p>
+        </p:txBody>
+      </p:sp>
+      <p:sp>
+        <p:nvSpPr>
+          <p:cNvPr id="3" name="Slide Number Placeholder 2"/>
+          <p:cNvSpPr>
+            <a:spLocks noGrp="1"/>
+          </p:cNvSpPr>
+          <p:nvPr>
+            <p:ph type="sldNum" sz="quarter" idx="12"/>
+          </p:nvPr>
+        </p:nvSpPr>
+        <p:spPr/>
+        <p:txBody>
+          <a:bodyPr/>
+          <a:lstStyle/>
+          <a:p>
+            <a:fld id="{B50B2D30-1F08-4FBD-9D45-01D047FD6431}" type="slidenum">
+              <a:rPr lang="ro-RO" smtClean="0"/>
+              <a:t>15</a:t>
+            </a:fld>
+            <a:endParaRPr lang="ro-RO"/>
+          </a:p>
+        </p:txBody>
+      </p:sp>
     </p:spTree>
     <p:extLst>
       <p:ext uri="{BB962C8B-B14F-4D97-AF65-F5344CB8AC3E}">
         <p14:creationId xmlns:p14="http://schemas.microsoft.com/office/powerpoint/2010/main" val="607199859"/>
+      </p:ext>
+    </p:extLst>
+  </p:cSld>
+  <p:clrMapOvr>
+    <a:masterClrMapping/>
+  </p:clrMapOvr>
+  <p:timing>
+    <p:tnLst>
+      <p:par>
+        <p:cTn id="1" dur="indefinite" restart="never" nodeType="tmRoot"/>
+      </p:par>
+    </p:tnLst>
+  </p:timing>
+</p:sld>
+</file>
+
+<file path=ppt/slides/slide16.xml><?xml version="1.0" encoding="utf-8"?>
+<p:sld xmlns:a="http://schemas.openxmlformats.org/drawingml/2006/main" xmlns:r="http://schemas.openxmlformats.org/officeDocument/2006/relationships" xmlns:p="http://schemas.openxmlformats.org/presentationml/2006/main">
+  <p:cSld>
+    <p:spTree>
+      <p:nvGrpSpPr>
+        <p:cNvPr id="1" name=""/>
+        <p:cNvGrpSpPr/>
+        <p:nvPr/>
+      </p:nvGrpSpPr>
+      <p:grpSpPr>
+        <a:xfrm>
+          <a:off x="0" y="0"/>
+          <a:ext cx="0" cy="0"/>
+          <a:chOff x="0" y="0"/>
+          <a:chExt cx="0" cy="0"/>
+        </a:xfrm>
+      </p:grpSpPr>
+      <p:sp>
+        <p:nvSpPr>
+          <p:cNvPr id="5" name="Title 4"/>
+          <p:cNvSpPr>
+            <a:spLocks noGrp="1"/>
+          </p:cNvSpPr>
+          <p:nvPr>
+            <p:ph type="ctrTitle"/>
+          </p:nvPr>
+        </p:nvSpPr>
+        <p:spPr/>
+        <p:txBody>
+          <a:bodyPr>
+            <a:normAutofit/>
+          </a:bodyPr>
+          <a:lstStyle/>
+          <a:p>
+            <a:pPr algn="ctr"/>
+            <a:r>
+              <a:rPr lang="ro-RO" sz="5400" dirty="0" smtClean="0">
+                <a:latin typeface="Times New Roman" pitchFamily="18" charset="0"/>
+                <a:cs typeface="Times New Roman" pitchFamily="18" charset="0"/>
+              </a:rPr>
+              <a:t>Întrebări</a:t>
+            </a:r>
+            <a:endParaRPr lang="ro-RO" sz="5400" dirty="0">
+              <a:latin typeface="Times New Roman" pitchFamily="18" charset="0"/>
+              <a:cs typeface="Times New Roman" pitchFamily="18" charset="0"/>
+            </a:endParaRPr>
+          </a:p>
+        </p:txBody>
+      </p:sp>
+      <p:sp>
+        <p:nvSpPr>
+          <p:cNvPr id="6" name="Subtitle 5"/>
+          <p:cNvSpPr>
+            <a:spLocks noGrp="1"/>
+          </p:cNvSpPr>
+          <p:nvPr>
+            <p:ph type="subTitle" idx="1"/>
+          </p:nvPr>
+        </p:nvSpPr>
+        <p:spPr/>
+        <p:txBody>
+          <a:bodyPr/>
+          <a:lstStyle/>
+          <a:p>
+            <a:endParaRPr lang="ro-RO"/>
+          </a:p>
+        </p:txBody>
+      </p:sp>
+      <p:sp>
+        <p:nvSpPr>
+          <p:cNvPr id="3" name="Slide Number Placeholder 2"/>
+          <p:cNvSpPr>
+            <a:spLocks noGrp="1"/>
+          </p:cNvSpPr>
+          <p:nvPr>
+            <p:ph type="sldNum" sz="quarter" idx="12"/>
+          </p:nvPr>
+        </p:nvSpPr>
+        <p:spPr/>
+        <p:txBody>
+          <a:bodyPr/>
+          <a:lstStyle/>
+          <a:p>
+            <a:fld id="{B50B2D30-1F08-4FBD-9D45-01D047FD6431}" type="slidenum">
+              <a:rPr lang="ro-RO" smtClean="0"/>
+              <a:t>16</a:t>
+            </a:fld>
+            <a:endParaRPr lang="ro-RO"/>
+          </a:p>
+        </p:txBody>
+      </p:sp>
+    </p:spTree>
+    <p:extLst>
+      <p:ext uri="{BB962C8B-B14F-4D97-AF65-F5344CB8AC3E}">
+        <p14:creationId xmlns:p14="http://schemas.microsoft.com/office/powerpoint/2010/main" val="1671113930"/>
       </p:ext>
     </p:extLst>
   </p:cSld>
@@ -6320,7 +6635,28 @@
                 <a:latin typeface="Times New Roman" pitchFamily="18" charset="0"/>
                 <a:cs typeface="Times New Roman" pitchFamily="18" charset="0"/>
               </a:rPr>
-              <a:t>Directii viitoare </a:t>
+              <a:t>Direc</a:t>
+            </a:r>
+            <a:r>
+              <a:rPr lang="ro-RO" dirty="0">
+                <a:latin typeface="Times New Roman" pitchFamily="18" charset="0"/>
+                <a:cs typeface="Times New Roman" pitchFamily="18" charset="0"/>
+              </a:rPr>
+              <a:t>ț</a:t>
+            </a:r>
+            <a:r>
+              <a:rPr lang="ro-RO" dirty="0" smtClean="0">
+                <a:latin typeface="Times New Roman" pitchFamily="18" charset="0"/>
+                <a:cs typeface="Times New Roman" pitchFamily="18" charset="0"/>
+              </a:rPr>
+              <a:t>ii </a:t>
+            </a:r>
+            <a:r>
+              <a:rPr lang="ro-RO" dirty="0" smtClean="0">
+                <a:latin typeface="Times New Roman" pitchFamily="18" charset="0"/>
+                <a:cs typeface="Times New Roman" pitchFamily="18" charset="0"/>
+              </a:rPr>
+              <a:t>viitoare </a:t>
             </a:r>
           </a:p>
         </p:txBody>
@@ -6615,14 +6951,7 @@
                 <a:latin typeface="Times New Roman" pitchFamily="18" charset="0"/>
                 <a:cs typeface="Times New Roman" pitchFamily="18" charset="0"/>
               </a:rPr>
-              <a:t>E</a:t>
-            </a:r>
-            <a:r>
-              <a:rPr lang="ro-RO" dirty="0" smtClean="0">
-                <a:latin typeface="Times New Roman" pitchFamily="18" charset="0"/>
-                <a:cs typeface="Times New Roman" pitchFamily="18" charset="0"/>
-              </a:rPr>
-              <a:t>xtragere cât mai corectă și eficientă a datelor</a:t>
+              <a:t>Extragere cât mai corectă și eficientă a datelor</a:t>
             </a:r>
           </a:p>
           <a:p>
@@ -6640,7 +6969,35 @@
                 <a:latin typeface="Times New Roman" pitchFamily="18" charset="0"/>
                 <a:cs typeface="Times New Roman" pitchFamily="18" charset="0"/>
               </a:rPr>
-              <a:t>Determinarea unei soluții eficiente de prelurare a fișierelor de dimensiuni mari</a:t>
+              <a:t>Determinarea unei soluții eficiente de </a:t>
+            </a:r>
+            <a:r>
+              <a:rPr lang="ro-RO" dirty="0" smtClean="0">
+                <a:latin typeface="Times New Roman" pitchFamily="18" charset="0"/>
+                <a:cs typeface="Times New Roman" pitchFamily="18" charset="0"/>
+              </a:rPr>
+              <a:t>prelu</a:t>
+            </a:r>
+            <a:r>
+              <a:rPr lang="en-US" dirty="0" smtClean="0">
+                <a:latin typeface="Times New Roman" pitchFamily="18" charset="0"/>
+                <a:cs typeface="Times New Roman" pitchFamily="18" charset="0"/>
+              </a:rPr>
+              <a:t>c</a:t>
+            </a:r>
+            <a:r>
+              <a:rPr lang="ro-RO" dirty="0" smtClean="0">
+                <a:latin typeface="Times New Roman" pitchFamily="18" charset="0"/>
+                <a:cs typeface="Times New Roman" pitchFamily="18" charset="0"/>
+              </a:rPr>
+              <a:t>rare </a:t>
+            </a:r>
+            <a:r>
+              <a:rPr lang="ro-RO" dirty="0" smtClean="0">
+                <a:latin typeface="Times New Roman" pitchFamily="18" charset="0"/>
+                <a:cs typeface="Times New Roman" pitchFamily="18" charset="0"/>
+              </a:rPr>
+              <a:t>a fișierelor de dimensiuni mari</a:t>
             </a:r>
           </a:p>
           <a:p>
@@ -6654,25 +7011,60 @@
           </a:p>
           <a:p>
             <a:r>
+              <a:rPr lang="en-US" dirty="0">
+                <a:latin typeface="Times New Roman" pitchFamily="18" charset="0"/>
+                <a:cs typeface="Times New Roman" pitchFamily="18" charset="0"/>
+              </a:rPr>
+              <a:t>I</a:t>
+            </a:r>
+            <a:r>
               <a:rPr lang="ro-RO" dirty="0" smtClean="0">
                 <a:latin typeface="Times New Roman" pitchFamily="18" charset="0"/>
                 <a:cs typeface="Times New Roman" pitchFamily="18" charset="0"/>
               </a:rPr>
-              <a:t>Utilizatorul are o interacțiune minimă în ceea ce privește </a:t>
+              <a:t>nteracțiune </a:t>
             </a:r>
             <a:r>
               <a:rPr lang="ro-RO" dirty="0" smtClean="0">
                 <a:latin typeface="Times New Roman" pitchFamily="18" charset="0"/>
                 <a:cs typeface="Times New Roman" pitchFamily="18" charset="0"/>
               </a:rPr>
-              <a:t>î</a:t>
+              <a:t>minimă </a:t>
+            </a:r>
+            <a:r>
+              <a:rPr lang="en-US" dirty="0" smtClean="0">
+                <a:latin typeface="Times New Roman" pitchFamily="18" charset="0"/>
+                <a:cs typeface="Times New Roman" pitchFamily="18" charset="0"/>
+              </a:rPr>
+              <a:t>cu </a:t>
+            </a:r>
+            <a:r>
+              <a:rPr lang="en-US" dirty="0" err="1" smtClean="0">
+                <a:latin typeface="Times New Roman" pitchFamily="18" charset="0"/>
+                <a:cs typeface="Times New Roman" pitchFamily="18" charset="0"/>
+              </a:rPr>
+              <a:t>utilizatorul</a:t>
+            </a:r>
+            <a:r>
+              <a:rPr lang="en-US" dirty="0" smtClean="0">
+                <a:latin typeface="Times New Roman" pitchFamily="18" charset="0"/>
+                <a:cs typeface="Times New Roman" pitchFamily="18" charset="0"/>
+              </a:rPr>
+              <a:t> </a:t>
             </a:r>
             <a:r>
               <a:rPr lang="ro-RO" dirty="0" smtClean="0">
                 <a:latin typeface="Times New Roman" pitchFamily="18" charset="0"/>
                 <a:cs typeface="Times New Roman" pitchFamily="18" charset="0"/>
               </a:rPr>
-              <a:t>ntregul proces de parsare</a:t>
+              <a:t>în </a:t>
+            </a:r>
+            <a:r>
+              <a:rPr lang="ro-RO" dirty="0" smtClean="0">
+                <a:latin typeface="Times New Roman" pitchFamily="18" charset="0"/>
+                <a:cs typeface="Times New Roman" pitchFamily="18" charset="0"/>
+              </a:rPr>
+              <a:t>ceea ce privește întregul proces de parsare</a:t>
             </a:r>
           </a:p>
           <a:p>
@@ -6793,29 +7185,99 @@
           </a:p>
           <a:p>
             <a:r>
-              <a:rPr lang="ro-RO" dirty="0" smtClean="0"/>
+              <a:rPr lang="ro-RO" dirty="0" smtClean="0">
+                <a:latin typeface="Times New Roman" pitchFamily="18" charset="0"/>
+                <a:cs typeface="Times New Roman" pitchFamily="18" charset="0"/>
+              </a:rPr>
               <a:t>O serie de pattern-uri specifice headerelor și footerelor</a:t>
             </a:r>
-            <a:endParaRPr lang="ro-RO" dirty="0"/>
-          </a:p>
-          <a:p>
-            <a:endParaRPr lang="ro-RO" dirty="0" smtClean="0"/>
-          </a:p>
-          <a:p>
-            <a:r>
-              <a:rPr lang="ro-RO" dirty="0" smtClean="0"/>
+            <a:endParaRPr lang="ro-RO" dirty="0">
+              <a:latin typeface="Times New Roman" pitchFamily="18" charset="0"/>
+              <a:cs typeface="Times New Roman" pitchFamily="18" charset="0"/>
+            </a:endParaRPr>
+          </a:p>
+          <a:p>
+            <a:endParaRPr lang="ro-RO" dirty="0" smtClean="0">
+              <a:latin typeface="Times New Roman" pitchFamily="18" charset="0"/>
+              <a:cs typeface="Times New Roman" pitchFamily="18" charset="0"/>
+            </a:endParaRPr>
+          </a:p>
+          <a:p>
+            <a:r>
+              <a:rPr lang="ro-RO" dirty="0" smtClean="0">
+                <a:latin typeface="Times New Roman" pitchFamily="18" charset="0"/>
+                <a:cs typeface="Times New Roman" pitchFamily="18" charset="0"/>
+              </a:rPr>
               <a:t>O listă de expresii regulate specifice pattern-urilor detectate</a:t>
             </a:r>
           </a:p>
           <a:p>
-            <a:endParaRPr lang="ro-RO" dirty="0"/>
-          </a:p>
-          <a:p>
-            <a:r>
-              <a:rPr lang="ro-RO" dirty="0" smtClean="0"/>
-              <a:t>Un algoritm care identifică în baza expresiilor regulate și elimină liniile specifice</a:t>
-            </a:r>
-            <a:endParaRPr lang="ro-RO" dirty="0"/>
+            <a:endParaRPr lang="ro-RO" dirty="0">
+              <a:latin typeface="Times New Roman" pitchFamily="18" charset="0"/>
+              <a:cs typeface="Times New Roman" pitchFamily="18" charset="0"/>
+            </a:endParaRPr>
+          </a:p>
+          <a:p>
+            <a:r>
+              <a:rPr lang="ro-RO" dirty="0" smtClean="0">
+                <a:latin typeface="Times New Roman" pitchFamily="18" charset="0"/>
+                <a:cs typeface="Times New Roman" pitchFamily="18" charset="0"/>
+              </a:rPr>
+              <a:t>Un algoritm care </a:t>
+            </a:r>
+            <a:r>
+              <a:rPr lang="ro-RO" dirty="0" smtClean="0">
+                <a:latin typeface="Times New Roman" pitchFamily="18" charset="0"/>
+                <a:cs typeface="Times New Roman" pitchFamily="18" charset="0"/>
+              </a:rPr>
+              <a:t>elimină </a:t>
+            </a:r>
+            <a:r>
+              <a:rPr lang="ro-RO" dirty="0" smtClean="0">
+                <a:latin typeface="Times New Roman" pitchFamily="18" charset="0"/>
+                <a:cs typeface="Times New Roman" pitchFamily="18" charset="0"/>
+              </a:rPr>
+              <a:t>liniile </a:t>
+            </a:r>
+            <a:r>
+              <a:rPr lang="ro-RO" dirty="0" smtClean="0">
+                <a:latin typeface="Times New Roman" pitchFamily="18" charset="0"/>
+                <a:cs typeface="Times New Roman" pitchFamily="18" charset="0"/>
+              </a:rPr>
+              <a:t>specifice</a:t>
+            </a:r>
+            <a:r>
+              <a:rPr lang="en-US" dirty="0" smtClean="0">
+                <a:latin typeface="Times New Roman" pitchFamily="18" charset="0"/>
+                <a:cs typeface="Times New Roman" pitchFamily="18" charset="0"/>
+              </a:rPr>
+              <a:t> </a:t>
+            </a:r>
+            <a:r>
+              <a:rPr lang="en-US" dirty="0" err="1" smtClean="0">
+                <a:latin typeface="Times New Roman" pitchFamily="18" charset="0"/>
+                <a:cs typeface="Times New Roman" pitchFamily="18" charset="0"/>
+              </a:rPr>
+              <a:t>headerelor</a:t>
+            </a:r>
+            <a:r>
+              <a:rPr lang="ro-RO" dirty="0">
+                <a:latin typeface="Times New Roman" pitchFamily="18" charset="0"/>
+                <a:cs typeface="Times New Roman" pitchFamily="18" charset="0"/>
+              </a:rPr>
+              <a:t> </a:t>
+            </a:r>
+            <a:r>
+              <a:rPr lang="ro-RO" dirty="0" smtClean="0">
+                <a:latin typeface="Times New Roman" pitchFamily="18" charset="0"/>
+                <a:cs typeface="Times New Roman" pitchFamily="18" charset="0"/>
+              </a:rPr>
+              <a:t>și footerelor</a:t>
+            </a:r>
+            <a:endParaRPr lang="ro-RO" dirty="0">
+              <a:latin typeface="Times New Roman" pitchFamily="18" charset="0"/>
+              <a:cs typeface="Times New Roman" pitchFamily="18" charset="0"/>
+            </a:endParaRPr>
           </a:p>
         </p:txBody>
       </p:sp>
@@ -6941,9 +7403,9 @@
             </a:r>
           </a:p>
           <a:p>
-            <a:pPr marL="624078" indent="-514350">
-              <a:buFont typeface="+mj-lt"/>
-              <a:buAutoNum type="arabicPeriod"/>
+            <a:pPr>
+              <a:buFont typeface="Arial" pitchFamily="34" charset="0"/>
+              <a:buChar char="•"/>
             </a:pPr>
             <a:endParaRPr lang="ro-RO" dirty="0" smtClean="0">
               <a:latin typeface="Times New Roman" pitchFamily="18" charset="0"/>
@@ -6951,9 +7413,9 @@
             </a:endParaRPr>
           </a:p>
           <a:p>
-            <a:pPr marL="624078" indent="-514350">
-              <a:buFont typeface="+mj-lt"/>
-              <a:buAutoNum type="arabicPeriod"/>
+            <a:pPr lvl="1">
+              <a:buFont typeface="Arial" pitchFamily="34" charset="0"/>
+              <a:buChar char="•"/>
             </a:pPr>
             <a:r>
               <a:rPr lang="en-US" dirty="0" err="1" smtClean="0">
@@ -6967,26 +7429,60 @@
                 <a:latin typeface="Times New Roman" pitchFamily="18" charset="0"/>
                 <a:cs typeface="Times New Roman" pitchFamily="18" charset="0"/>
               </a:rPr>
-              <a:t>ța tiltului cărtii și a autorului</a:t>
-            </a:r>
-          </a:p>
-          <a:p>
-            <a:pPr marL="624078" indent="-514350">
-              <a:buFont typeface="+mj-lt"/>
-              <a:buAutoNum type="arabicPeriod"/>
+              <a:t>ța tiltului cărtii și a </a:t>
+            </a:r>
+            <a:r>
+              <a:rPr lang="ro-RO" dirty="0" smtClean="0">
+                <a:latin typeface="Times New Roman" pitchFamily="18" charset="0"/>
+                <a:cs typeface="Times New Roman" pitchFamily="18" charset="0"/>
+              </a:rPr>
+              <a:t>autorului</a:t>
+            </a:r>
+          </a:p>
+          <a:p>
+            <a:pPr lvl="1">
+              <a:buFont typeface="Arial" pitchFamily="34" charset="0"/>
+              <a:buChar char="•"/>
             </a:pPr>
+            <a:endParaRPr lang="ro-RO" dirty="0" smtClean="0">
+              <a:latin typeface="Times New Roman" pitchFamily="18" charset="0"/>
+              <a:cs typeface="Times New Roman" pitchFamily="18" charset="0"/>
+            </a:endParaRPr>
+          </a:p>
+          <a:p>
+            <a:pPr lvl="1">
+              <a:buFont typeface="Arial" pitchFamily="34" charset="0"/>
+              <a:buChar char="•"/>
+            </a:pPr>
             <a:r>
               <a:rPr lang="ro-RO" dirty="0" smtClean="0">
                 <a:latin typeface="Times New Roman" pitchFamily="18" charset="0"/>
                 <a:cs typeface="Times New Roman" pitchFamily="18" charset="0"/>
               </a:rPr>
-              <a:t>Numărul paginii</a:t>
-            </a:r>
-          </a:p>
-          <a:p>
-            <a:pPr marL="624078" indent="-514350">
-              <a:buFont typeface="+mj-lt"/>
-              <a:buAutoNum type="arabicPeriod"/>
+              <a:t>Numărul </a:t>
+            </a:r>
+            <a:r>
+              <a:rPr lang="ro-RO" dirty="0" smtClean="0">
+                <a:latin typeface="Times New Roman" pitchFamily="18" charset="0"/>
+                <a:cs typeface="Times New Roman" pitchFamily="18" charset="0"/>
+              </a:rPr>
+              <a:t>paginii</a:t>
+            </a:r>
+          </a:p>
+          <a:p>
+            <a:pPr lvl="1">
+              <a:buFont typeface="Arial" pitchFamily="34" charset="0"/>
+              <a:buChar char="•"/>
+            </a:pPr>
+            <a:endParaRPr lang="ro-RO" dirty="0" smtClean="0">
+              <a:latin typeface="Times New Roman" pitchFamily="18" charset="0"/>
+              <a:cs typeface="Times New Roman" pitchFamily="18" charset="0"/>
+            </a:endParaRPr>
+          </a:p>
+          <a:p>
+            <a:pPr lvl="1">
+              <a:buFont typeface="Arial" pitchFamily="34" charset="0"/>
+              <a:buChar char="•"/>
             </a:pPr>
             <a:r>
               <a:rPr lang="ro-RO" dirty="0" smtClean="0">
@@ -7111,126 +7607,17 @@
         </p:nvSpPr>
         <p:spPr/>
         <p:txBody>
-          <a:bodyPr>
-            <a:normAutofit/>
-          </a:bodyPr>
+          <a:bodyPr/>
           <a:lstStyle/>
           <a:p>
-            <a:r>
-              <a:rPr lang="ro-RO" dirty="0"/>
-              <a:t>Construcția </a:t>
-            </a:r>
-            <a:r>
-              <a:rPr lang="ro-RO" dirty="0" smtClean="0"/>
-              <a:t>expresiilor regulate pentru a identifica trăsaturile specifice headerelor și footerelor</a:t>
-            </a:r>
-            <a:r>
-              <a:rPr lang="en-US" dirty="0" smtClean="0"/>
-              <a:t>:</a:t>
-            </a:r>
-          </a:p>
-          <a:p>
-            <a:pPr marL="109728" indent="0">
-              <a:buNone/>
+            <a:pPr marL="624078" indent="-514350">
+              <a:buFont typeface="+mj-lt"/>
+              <a:buAutoNum type="arabicPeriod"/>
             </a:pPr>
-            <a:endParaRPr lang="en-US" dirty="0" smtClean="0"/>
-          </a:p>
-          <a:p>
-            <a:pPr lvl="1">
-              <a:buFont typeface="Arial" pitchFamily="34" charset="0"/>
-              <a:buChar char="•"/>
-            </a:pPr>
-            <a:r>
-              <a:rPr lang="ro-RO" sz="2400" dirty="0" smtClean="0"/>
-              <a:t>"([</a:t>
-            </a:r>
-            <a:r>
-              <a:rPr lang="ro-RO" sz="2400" dirty="0"/>
-              <a:t>1-9][0-9]*)" </a:t>
-            </a:r>
-            <a:r>
-              <a:rPr lang="en-US" sz="2400" dirty="0" smtClean="0"/>
-              <a:t>	</a:t>
-            </a:r>
-            <a:endParaRPr lang="en-US" sz="2400" dirty="0"/>
-          </a:p>
-          <a:p>
-            <a:pPr lvl="1">
-              <a:buFont typeface="Arial" pitchFamily="34" charset="0"/>
-              <a:buChar char="•"/>
-            </a:pPr>
-            <a:r>
-              <a:rPr lang="ro-RO" sz="2400" dirty="0" smtClean="0"/>
-              <a:t>"(([</a:t>
-            </a:r>
-            <a:r>
-              <a:rPr lang="ro-RO" sz="2400" dirty="0"/>
-              <a:t>A-Z][A-Za-z]* )+)([1-9][0-9]*)" </a:t>
-            </a:r>
-            <a:endParaRPr lang="en-US" sz="2400" dirty="0" smtClean="0"/>
-          </a:p>
-          <a:p>
-            <a:pPr lvl="1">
-              <a:buFont typeface="Arial" pitchFamily="34" charset="0"/>
-              <a:buChar char="•"/>
-            </a:pPr>
-            <a:r>
-              <a:rPr lang="ro-RO" sz="2400" dirty="0" smtClean="0"/>
-              <a:t>"([</a:t>
-            </a:r>
-            <a:r>
-              <a:rPr lang="ro-RO" sz="2400" dirty="0"/>
-              <a:t>1-9]((\\.)[0-9]*)+)(( [A-Z][A-Za-z]*)+)" </a:t>
-            </a:r>
-          </a:p>
-          <a:p>
-            <a:pPr lvl="1">
-              <a:buFont typeface="Arial" pitchFamily="34" charset="0"/>
-              <a:buChar char="•"/>
-            </a:pPr>
-            <a:r>
-              <a:rPr lang="pl-PL" sz="2400" dirty="0" smtClean="0"/>
-              <a:t>"([</a:t>
-            </a:r>
-            <a:r>
-              <a:rPr lang="pl-PL" sz="2400" dirty="0"/>
-              <a:t>A-Z][a-z]* *)([a-zA-Z ]*)([1-9][0-9]*)" </a:t>
-            </a:r>
-            <a:endParaRPr lang="ro-RO" sz="2400" dirty="0"/>
-          </a:p>
-          <a:p>
-            <a:pPr lvl="1">
-              <a:buFont typeface="Arial" pitchFamily="34" charset="0"/>
-              <a:buChar char="•"/>
-            </a:pPr>
-            <a:r>
-              <a:rPr lang="ro-RO" sz="2400" dirty="0"/>
-              <a:t>"([1-9][0-9]*\\))( *[a-zA-Z ]*)" </a:t>
-            </a:r>
-          </a:p>
-          <a:p>
-            <a:pPr lvl="1">
-              <a:buFont typeface="Arial" pitchFamily="34" charset="0"/>
-              <a:buChar char="•"/>
-            </a:pPr>
-            <a:endParaRPr lang="ro-RO" sz="2400" dirty="0"/>
-          </a:p>
-          <a:p>
-            <a:pPr lvl="1">
-              <a:buFont typeface="Arial" pitchFamily="34" charset="0"/>
-              <a:buChar char="•"/>
-            </a:pPr>
-            <a:endParaRPr lang="ro-RO" sz="2400" dirty="0"/>
-          </a:p>
-          <a:p>
-            <a:pPr lvl="1">
-              <a:buFont typeface="Arial" pitchFamily="34" charset="0"/>
-              <a:buChar char="•"/>
-            </a:pPr>
-            <a:endParaRPr lang="ro-RO" dirty="0"/>
-          </a:p>
-          <a:p>
-            <a:endParaRPr lang="ro-RO" dirty="0"/>
+            <a:endParaRPr lang="en-US" dirty="0">
+              <a:latin typeface="Times New Roman" pitchFamily="18" charset="0"/>
+              <a:cs typeface="Times New Roman" pitchFamily="18" charset="0"/>
+            </a:endParaRPr>
           </a:p>
         </p:txBody>
       </p:sp>
@@ -7288,10 +7675,102 @@
           </a:p>
         </p:txBody>
       </p:sp>
+      <p:pic>
+        <p:nvPicPr>
+          <p:cNvPr id="1026" name="Picture 2" descr="C:\Users\silvia-ana-maria\Desktop\Licenta\test2.png"/>
+          <p:cNvPicPr>
+            <a:picLocks noChangeAspect="1" noChangeArrowheads="1"/>
+          </p:cNvPicPr>
+          <p:nvPr/>
+        </p:nvPicPr>
+        <p:blipFill>
+          <a:blip r:embed="rId2">
+            <a:extLst>
+              <a:ext uri="{28A0092B-C50C-407E-A947-70E740481C1C}">
+                <a14:useLocalDpi xmlns:a14="http://schemas.microsoft.com/office/drawing/2010/main" val="0"/>
+              </a:ext>
+            </a:extLst>
+          </a:blip>
+          <a:srcRect/>
+          <a:stretch>
+            <a:fillRect/>
+          </a:stretch>
+        </p:blipFill>
+        <p:spPr bwMode="auto">
+          <a:xfrm>
+            <a:off x="1676400" y="3429001"/>
+            <a:ext cx="5821363" cy="2305050"/>
+          </a:xfrm>
+          <a:prstGeom prst="rect">
+            <a:avLst/>
+          </a:prstGeom>
+          <a:noFill/>
+          <a:ln>
+            <a:solidFill>
+              <a:schemeClr val="tx1"/>
+            </a:solidFill>
+          </a:ln>
+          <a:extLst>
+            <a:ext uri="{909E8E84-426E-40DD-AFC4-6F175D3DCCD1}">
+              <a14:hiddenFill xmlns:a14="http://schemas.microsoft.com/office/drawing/2010/main">
+                <a:solidFill>
+                  <a:srgbClr val="FFFFFF"/>
+                </a:solidFill>
+              </a14:hiddenFill>
+            </a:ext>
+          </a:extLst>
+        </p:spPr>
+      </p:pic>
+      <p:pic>
+        <p:nvPicPr>
+          <p:cNvPr id="1027" name="Picture 3" descr="C:\Users\silvia-ana-maria\Desktop\Licenta\test1.png"/>
+          <p:cNvPicPr>
+            <a:picLocks noChangeAspect="1" noChangeArrowheads="1"/>
+          </p:cNvPicPr>
+          <p:nvPr/>
+        </p:nvPicPr>
+        <p:blipFill>
+          <a:blip r:embed="rId3">
+            <a:extLst>
+              <a:ext uri="{28A0092B-C50C-407E-A947-70E740481C1C}">
+                <a14:useLocalDpi xmlns:a14="http://schemas.microsoft.com/office/drawing/2010/main" val="0"/>
+              </a:ext>
+            </a:extLst>
+          </a:blip>
+          <a:srcRect/>
+          <a:stretch>
+            <a:fillRect/>
+          </a:stretch>
+        </p:blipFill>
+        <p:spPr bwMode="auto">
+          <a:xfrm>
+            <a:off x="1676400" y="1676401"/>
+            <a:ext cx="5821363" cy="1524000"/>
+          </a:xfrm>
+          <a:prstGeom prst="rect">
+            <a:avLst/>
+          </a:prstGeom>
+          <a:noFill/>
+          <a:ln>
+            <a:solidFill>
+              <a:schemeClr val="tx1"/>
+            </a:solidFill>
+          </a:ln>
+          <a:extLst>
+            <a:ext uri="{909E8E84-426E-40DD-AFC4-6F175D3DCCD1}">
+              <a14:hiddenFill xmlns:a14="http://schemas.microsoft.com/office/drawing/2010/main">
+                <a:solidFill>
+                  <a:srgbClr val="FFFFFF"/>
+                </a:solidFill>
+              </a14:hiddenFill>
+            </a:ext>
+          </a:extLst>
+        </p:spPr>
+      </p:pic>
     </p:spTree>
     <p:extLst>
       <p:ext uri="{BB962C8B-B14F-4D97-AF65-F5344CB8AC3E}">
-        <p14:creationId xmlns:p14="http://schemas.microsoft.com/office/powerpoint/2010/main" val="526265502"/>
+        <p14:creationId xmlns:p14="http://schemas.microsoft.com/office/powerpoint/2010/main" val="3167169012"/>
       </p:ext>
     </p:extLst>
   </p:cSld>
@@ -7335,66 +7814,196 @@
             <p:ph idx="1"/>
           </p:nvPr>
         </p:nvSpPr>
-        <p:spPr>
-          <a:xfrm>
-            <a:off x="457200" y="1481328"/>
-            <a:ext cx="8229600" cy="4995672"/>
-          </a:xfrm>
-        </p:spPr>
-        <p:txBody>
-          <a:bodyPr/>
+        <p:spPr/>
+        <p:txBody>
+          <a:bodyPr>
+            <a:normAutofit/>
+          </a:bodyPr>
           <a:lstStyle/>
+          <a:p>
+            <a:r>
+              <a:rPr lang="ro-RO" dirty="0">
+                <a:latin typeface="Times New Roman" pitchFamily="18" charset="0"/>
+                <a:cs typeface="Times New Roman" pitchFamily="18" charset="0"/>
+              </a:rPr>
+              <a:t>Construcția </a:t>
+            </a:r>
+            <a:r>
+              <a:rPr lang="ro-RO" dirty="0" smtClean="0">
+                <a:latin typeface="Times New Roman" pitchFamily="18" charset="0"/>
+                <a:cs typeface="Times New Roman" pitchFamily="18" charset="0"/>
+              </a:rPr>
+              <a:t>expresiilor </a:t>
+            </a:r>
+            <a:r>
+              <a:rPr lang="ro-RO" dirty="0" smtClean="0">
+                <a:latin typeface="Times New Roman" pitchFamily="18" charset="0"/>
+                <a:cs typeface="Times New Roman" pitchFamily="18" charset="0"/>
+              </a:rPr>
+              <a:t>regulate</a:t>
+            </a:r>
+            <a:r>
+              <a:rPr lang="en-US" dirty="0" smtClean="0">
+                <a:latin typeface="Times New Roman" pitchFamily="18" charset="0"/>
+                <a:cs typeface="Times New Roman" pitchFamily="18" charset="0"/>
+              </a:rPr>
+              <a:t>:</a:t>
+            </a:r>
+            <a:endParaRPr lang="en-US" dirty="0" smtClean="0">
+              <a:latin typeface="Times New Roman" pitchFamily="18" charset="0"/>
+              <a:cs typeface="Times New Roman" pitchFamily="18" charset="0"/>
+            </a:endParaRPr>
+          </a:p>
           <a:p>
             <a:pPr marL="109728" indent="0">
               <a:buNone/>
             </a:pPr>
-            <a:endParaRPr lang="ro-RO" dirty="0"/>
-          </a:p>
-          <a:p>
-            <a:r>
-              <a:rPr lang="ro-RO" dirty="0" smtClean="0"/>
-              <a:t>Crearea unei liste de expresii regulate</a:t>
-            </a:r>
-          </a:p>
-          <a:p>
-            <a:endParaRPr lang="ro-RO" dirty="0"/>
-          </a:p>
-          <a:p>
-            <a:r>
-              <a:rPr lang="ro-RO" dirty="0" smtClean="0"/>
-              <a:t>Procesarea textului se face pagină cu pagină</a:t>
-            </a:r>
-          </a:p>
-          <a:p>
-            <a:endParaRPr lang="ro-RO" dirty="0"/>
-          </a:p>
-          <a:p>
-            <a:r>
-              <a:rPr lang="ro-RO" dirty="0" smtClean="0"/>
-              <a:t>Stocarea  datelor folosind hash map</a:t>
-            </a:r>
-          </a:p>
-          <a:p>
-            <a:endParaRPr lang="ro-RO" dirty="0"/>
-          </a:p>
-          <a:p>
-            <a:r>
-              <a:rPr lang="ro-RO" dirty="0" smtClean="0"/>
-              <a:t>Eliminarea headerelor și footerelor</a:t>
-            </a:r>
-          </a:p>
-          <a:p>
-            <a:endParaRPr lang="ro-RO" dirty="0"/>
-          </a:p>
-          <a:p>
-            <a:r>
-              <a:rPr lang="ro-RO" dirty="0" smtClean="0"/>
-              <a:t>Scrierea liniilor in fișier </a:t>
-            </a:r>
-            <a:endParaRPr lang="ro-RO" dirty="0" smtClean="0"/>
-          </a:p>
-          <a:p>
-            <a:endParaRPr lang="ro-RO" dirty="0"/>
+            <a:endParaRPr lang="en-US" dirty="0" smtClean="0">
+              <a:latin typeface="Times New Roman" pitchFamily="18" charset="0"/>
+              <a:cs typeface="Times New Roman" pitchFamily="18" charset="0"/>
+            </a:endParaRPr>
+          </a:p>
+          <a:p>
+            <a:pPr lvl="1">
+              <a:buFont typeface="Arial" pitchFamily="34" charset="0"/>
+              <a:buChar char="•"/>
+            </a:pPr>
+            <a:r>
+              <a:rPr lang="ro-RO" sz="2700" dirty="0" smtClean="0">
+                <a:latin typeface="Times New Roman" pitchFamily="18" charset="0"/>
+                <a:cs typeface="Times New Roman" pitchFamily="18" charset="0"/>
+              </a:rPr>
+              <a:t>"([</a:t>
+            </a:r>
+            <a:r>
+              <a:rPr lang="ro-RO" sz="2700" dirty="0">
+                <a:latin typeface="Times New Roman" pitchFamily="18" charset="0"/>
+                <a:cs typeface="Times New Roman" pitchFamily="18" charset="0"/>
+              </a:rPr>
+              <a:t>1-9][0-9]*)" </a:t>
+            </a:r>
+            <a:r>
+              <a:rPr lang="en-US" sz="2700" dirty="0" smtClean="0">
+                <a:latin typeface="Times New Roman" pitchFamily="18" charset="0"/>
+                <a:cs typeface="Times New Roman" pitchFamily="18" charset="0"/>
+              </a:rPr>
+              <a:t>	</a:t>
+            </a:r>
+            <a:endParaRPr lang="en-US" sz="2700" dirty="0">
+              <a:latin typeface="Times New Roman" pitchFamily="18" charset="0"/>
+              <a:cs typeface="Times New Roman" pitchFamily="18" charset="0"/>
+            </a:endParaRPr>
+          </a:p>
+          <a:p>
+            <a:pPr lvl="1">
+              <a:buFont typeface="Arial" pitchFamily="34" charset="0"/>
+              <a:buChar char="•"/>
+            </a:pPr>
+            <a:r>
+              <a:rPr lang="ro-RO" sz="2700" dirty="0" smtClean="0">
+                <a:latin typeface="Times New Roman" pitchFamily="18" charset="0"/>
+                <a:cs typeface="Times New Roman" pitchFamily="18" charset="0"/>
+              </a:rPr>
+              <a:t>"(([</a:t>
+            </a:r>
+            <a:r>
+              <a:rPr lang="ro-RO" sz="2700" dirty="0">
+                <a:latin typeface="Times New Roman" pitchFamily="18" charset="0"/>
+                <a:cs typeface="Times New Roman" pitchFamily="18" charset="0"/>
+              </a:rPr>
+              <a:t>A-Z][A-Za-z]* )+)([1-9][0-9]*)" </a:t>
+            </a:r>
+            <a:endParaRPr lang="en-US" sz="2700" dirty="0" smtClean="0">
+              <a:latin typeface="Times New Roman" pitchFamily="18" charset="0"/>
+              <a:cs typeface="Times New Roman" pitchFamily="18" charset="0"/>
+            </a:endParaRPr>
+          </a:p>
+          <a:p>
+            <a:pPr lvl="1">
+              <a:buFont typeface="Arial" pitchFamily="34" charset="0"/>
+              <a:buChar char="•"/>
+            </a:pPr>
+            <a:r>
+              <a:rPr lang="ro-RO" sz="2700" dirty="0" smtClean="0">
+                <a:latin typeface="Times New Roman" pitchFamily="18" charset="0"/>
+                <a:cs typeface="Times New Roman" pitchFamily="18" charset="0"/>
+              </a:rPr>
+              <a:t>"([</a:t>
+            </a:r>
+            <a:r>
+              <a:rPr lang="ro-RO" sz="2700" dirty="0">
+                <a:latin typeface="Times New Roman" pitchFamily="18" charset="0"/>
+                <a:cs typeface="Times New Roman" pitchFamily="18" charset="0"/>
+              </a:rPr>
+              <a:t>1-9]((\\.)[0-9]*)+)(( [A-Z][A-Za-z]*)+)" </a:t>
+            </a:r>
+          </a:p>
+          <a:p>
+            <a:pPr lvl="1">
+              <a:buFont typeface="Arial" pitchFamily="34" charset="0"/>
+              <a:buChar char="•"/>
+            </a:pPr>
+            <a:r>
+              <a:rPr lang="pl-PL" sz="2700" dirty="0" smtClean="0">
+                <a:latin typeface="Times New Roman" pitchFamily="18" charset="0"/>
+                <a:cs typeface="Times New Roman" pitchFamily="18" charset="0"/>
+              </a:rPr>
+              <a:t>"([</a:t>
+            </a:r>
+            <a:r>
+              <a:rPr lang="pl-PL" sz="2700" dirty="0">
+                <a:latin typeface="Times New Roman" pitchFamily="18" charset="0"/>
+                <a:cs typeface="Times New Roman" pitchFamily="18" charset="0"/>
+              </a:rPr>
+              <a:t>A-Z][a-z]* *)([a-zA-Z ]*)([1-9][0-9]*)" </a:t>
+            </a:r>
+            <a:endParaRPr lang="ro-RO" sz="2700" dirty="0">
+              <a:latin typeface="Times New Roman" pitchFamily="18" charset="0"/>
+              <a:cs typeface="Times New Roman" pitchFamily="18" charset="0"/>
+            </a:endParaRPr>
+          </a:p>
+          <a:p>
+            <a:pPr lvl="1">
+              <a:buFont typeface="Arial" pitchFamily="34" charset="0"/>
+              <a:buChar char="•"/>
+            </a:pPr>
+            <a:r>
+              <a:rPr lang="ro-RO" sz="2700" dirty="0">
+                <a:latin typeface="Times New Roman" pitchFamily="18" charset="0"/>
+                <a:cs typeface="Times New Roman" pitchFamily="18" charset="0"/>
+              </a:rPr>
+              <a:t>"([1-9][0-9]*\\))( *[a-zA-Z ]*)" </a:t>
+            </a:r>
+          </a:p>
+          <a:p>
+            <a:pPr lvl="1">
+              <a:buFont typeface="Arial" pitchFamily="34" charset="0"/>
+              <a:buChar char="•"/>
+            </a:pPr>
+            <a:endParaRPr lang="ro-RO" sz="2700" dirty="0">
+              <a:latin typeface="Times New Roman" pitchFamily="18" charset="0"/>
+              <a:cs typeface="Times New Roman" pitchFamily="18" charset="0"/>
+            </a:endParaRPr>
+          </a:p>
+          <a:p>
+            <a:pPr lvl="1">
+              <a:buFont typeface="Arial" pitchFamily="34" charset="0"/>
+              <a:buChar char="•"/>
+            </a:pPr>
+            <a:endParaRPr lang="ro-RO" sz="2700" dirty="0">
+              <a:latin typeface="Times New Roman" pitchFamily="18" charset="0"/>
+              <a:cs typeface="Times New Roman" pitchFamily="18" charset="0"/>
+            </a:endParaRPr>
+          </a:p>
+          <a:p>
+            <a:pPr lvl="1">
+              <a:buFont typeface="Arial" pitchFamily="34" charset="0"/>
+              <a:buChar char="•"/>
+            </a:pPr>
+            <a:endParaRPr lang="ro-RO" sz="2700" dirty="0">
+              <a:latin typeface="Times New Roman" pitchFamily="18" charset="0"/>
+              <a:cs typeface="Times New Roman" pitchFamily="18" charset="0"/>
+            </a:endParaRPr>
           </a:p>
           <a:p>
             <a:endParaRPr lang="ro-RO" dirty="0"/>
@@ -7446,7 +8055,7 @@
                 <a:latin typeface="Times New Roman" pitchFamily="18" charset="0"/>
                 <a:cs typeface="Times New Roman" pitchFamily="18" charset="0"/>
               </a:rPr>
-              <a:t>Algoritmul utilizat</a:t>
+              <a:t>Soluția curentă</a:t>
             </a:r>
             <a:endParaRPr lang="ro-RO" sz="3600" dirty="0">
               <a:latin typeface="Times New Roman" pitchFamily="18" charset="0"/>
@@ -7458,7 +8067,7 @@
     </p:spTree>
     <p:extLst>
       <p:ext uri="{BB962C8B-B14F-4D97-AF65-F5344CB8AC3E}">
-        <p14:creationId xmlns:p14="http://schemas.microsoft.com/office/powerpoint/2010/main" val="1228771604"/>
+        <p14:creationId xmlns:p14="http://schemas.microsoft.com/office/powerpoint/2010/main" val="526265502"/>
       </p:ext>
     </p:extLst>
   </p:cSld>
@@ -7502,50 +8111,94 @@
             <p:ph idx="1"/>
           </p:nvPr>
         </p:nvSpPr>
-        <p:spPr/>
+        <p:spPr>
+          <a:xfrm>
+            <a:off x="457200" y="1481328"/>
+            <a:ext cx="8229600" cy="4995672"/>
+          </a:xfrm>
+        </p:spPr>
         <p:txBody>
           <a:bodyPr/>
           <a:lstStyle/>
-          <a:p>
-            <a:r>
-              <a:rPr lang="ro-RO" dirty="0" smtClean="0"/>
-              <a:t>Pasul 1</a:t>
-            </a:r>
-          </a:p>
           <a:p>
             <a:pPr marL="109728" indent="0">
               <a:buNone/>
             </a:pPr>
-            <a:r>
-              <a:rPr lang="ro-RO" dirty="0" smtClean="0"/>
-              <a:t>Construcția unui  Map de liste – cheia reprezită numărul paginii iar valoarea este o listă ce cuprinde liniile existete in pagina respectivă</a:t>
-            </a:r>
-          </a:p>
-          <a:p>
             <a:endParaRPr lang="ro-RO" dirty="0"/>
           </a:p>
           <a:p>
+            <a:r>
+              <a:rPr lang="ro-RO" dirty="0" smtClean="0">
+                <a:latin typeface="Times New Roman" pitchFamily="18" charset="0"/>
+                <a:cs typeface="Times New Roman" pitchFamily="18" charset="0"/>
+              </a:rPr>
+              <a:t>Crearea unei liste de expresii regulate</a:t>
+            </a:r>
+          </a:p>
+          <a:p>
+            <a:endParaRPr lang="ro-RO" dirty="0">
+              <a:latin typeface="Times New Roman" pitchFamily="18" charset="0"/>
+              <a:cs typeface="Times New Roman" pitchFamily="18" charset="0"/>
+            </a:endParaRPr>
+          </a:p>
+          <a:p>
+            <a:r>
+              <a:rPr lang="ro-RO" dirty="0" smtClean="0">
+                <a:latin typeface="Times New Roman" pitchFamily="18" charset="0"/>
+                <a:cs typeface="Times New Roman" pitchFamily="18" charset="0"/>
+              </a:rPr>
+              <a:t>Procesarea textului se face pagină cu pagină</a:t>
+            </a:r>
+          </a:p>
+          <a:p>
+            <a:endParaRPr lang="ro-RO" dirty="0">
+              <a:latin typeface="Times New Roman" pitchFamily="18" charset="0"/>
+              <a:cs typeface="Times New Roman" pitchFamily="18" charset="0"/>
+            </a:endParaRPr>
+          </a:p>
+          <a:p>
+            <a:r>
+              <a:rPr lang="ro-RO" dirty="0" smtClean="0">
+                <a:latin typeface="Times New Roman" pitchFamily="18" charset="0"/>
+                <a:cs typeface="Times New Roman" pitchFamily="18" charset="0"/>
+              </a:rPr>
+              <a:t>Stocarea  datelor folosind hash map</a:t>
+            </a:r>
+          </a:p>
+          <a:p>
+            <a:endParaRPr lang="ro-RO" dirty="0">
+              <a:latin typeface="Times New Roman" pitchFamily="18" charset="0"/>
+              <a:cs typeface="Times New Roman" pitchFamily="18" charset="0"/>
+            </a:endParaRPr>
+          </a:p>
+          <a:p>
+            <a:r>
+              <a:rPr lang="ro-RO" dirty="0" smtClean="0">
+                <a:latin typeface="Times New Roman" pitchFamily="18" charset="0"/>
+                <a:cs typeface="Times New Roman" pitchFamily="18" charset="0"/>
+              </a:rPr>
+              <a:t>Eliminarea headerelor și footerelor</a:t>
+            </a:r>
+          </a:p>
+          <a:p>
+            <a:endParaRPr lang="ro-RO" dirty="0">
+              <a:latin typeface="Times New Roman" pitchFamily="18" charset="0"/>
+              <a:cs typeface="Times New Roman" pitchFamily="18" charset="0"/>
+            </a:endParaRPr>
+          </a:p>
+          <a:p>
+            <a:r>
+              <a:rPr lang="ro-RO" dirty="0" smtClean="0">
+                <a:latin typeface="Times New Roman" pitchFamily="18" charset="0"/>
+                <a:cs typeface="Times New Roman" pitchFamily="18" charset="0"/>
+              </a:rPr>
+              <a:t>Scrierea liniilor in fișier </a:t>
+            </a:r>
+          </a:p>
+          <a:p>
             <a:endParaRPr lang="ro-RO" dirty="0"/>
           </a:p>
           <a:p>
-            <a:r>
-              <a:rPr lang="ro-RO" dirty="0" smtClean="0"/>
-              <a:t>Pasul 2</a:t>
-            </a:r>
-          </a:p>
-          <a:p>
-            <a:pPr marL="109728" indent="0">
-              <a:buNone/>
-            </a:pPr>
-            <a:r>
-              <a:rPr lang="ro-RO" dirty="0" smtClean="0"/>
-              <a:t>Procesarea paginii și verificarea liniei curente</a:t>
-            </a:r>
-          </a:p>
-          <a:p>
-            <a:pPr marL="109728" indent="0">
-              <a:buNone/>
-            </a:pPr>
             <a:endParaRPr lang="ro-RO" dirty="0"/>
           </a:p>
         </p:txBody>
@@ -7607,7 +8260,7 @@
     </p:spTree>
     <p:extLst>
       <p:ext uri="{BB962C8B-B14F-4D97-AF65-F5344CB8AC3E}">
-        <p14:creationId xmlns:p14="http://schemas.microsoft.com/office/powerpoint/2010/main" val="3456413899"/>
+        <p14:creationId xmlns:p14="http://schemas.microsoft.com/office/powerpoint/2010/main" val="1228771604"/>
       </p:ext>
     </p:extLst>
   </p:cSld>
